--- a/Documentations/Supervisor Meeting PowerPoints/10._Supervisor_Meeting_22Jan21.pptx
+++ b/Documentations/Supervisor Meeting PowerPoints/10._Supervisor_Meeting_22Jan21.pptx
@@ -3493,20 +3493,120 @@
     </pc:docChg>
   </pc:docChgLst>
   <pc:docChgLst>
-    <pc:chgData name="Andrew Ming Ho Wu" userId="620d876fccae6a25" providerId="LiveId" clId="{B8CC6B97-FBEB-4E84-A973-1D8D00A51797}"/>
-    <pc:docChg chg="undo redo custSel addSld delSld modSld">
-      <pc:chgData name="Andrew Ming Ho Wu" userId="620d876fccae6a25" providerId="LiveId" clId="{B8CC6B97-FBEB-4E84-A973-1D8D00A51797}" dt="2020-12-09T20:21:14.831" v="3322" actId="1076"/>
+    <pc:chgData name="Andrew Ming Ho Wu" userId="620d876fccae6a25" providerId="LiveId" clId="{301D553B-ED1B-4DD0-8B60-0326FA0FE40D}"/>
+    <pc:docChg chg="undo custSel modSld sldOrd">
+      <pc:chgData name="Andrew Ming Ho Wu" userId="620d876fccae6a25" providerId="LiveId" clId="{301D553B-ED1B-4DD0-8B60-0326FA0FE40D}" dt="2020-12-04T09:57:29.774" v="2192" actId="20577"/>
       <pc:docMkLst>
         <pc:docMk/>
       </pc:docMkLst>
       <pc:sldChg chg="modSp mod">
-        <pc:chgData name="Andrew Ming Ho Wu" userId="620d876fccae6a25" providerId="LiveId" clId="{B8CC6B97-FBEB-4E84-A973-1D8D00A51797}" dt="2020-12-07T23:20:20.434" v="2391" actId="20577"/>
+        <pc:chgData name="Andrew Ming Ho Wu" userId="620d876fccae6a25" providerId="LiveId" clId="{301D553B-ED1B-4DD0-8B60-0326FA0FE40D}" dt="2020-12-04T09:23:30.694" v="1648" actId="20577"/>
         <pc:sldMkLst>
           <pc:docMk/>
           <pc:sldMk cId="0" sldId="256"/>
         </pc:sldMkLst>
         <pc:spChg chg="mod">
-          <ac:chgData name="Andrew Ming Ho Wu" userId="620d876fccae6a25" providerId="LiveId" clId="{B8CC6B97-FBEB-4E84-A973-1D8D00A51797}" dt="2020-12-07T23:20:20.434" v="2391" actId="20577"/>
+          <ac:chgData name="Andrew Ming Ho Wu" userId="620d876fccae6a25" providerId="LiveId" clId="{301D553B-ED1B-4DD0-8B60-0326FA0FE40D}" dt="2020-12-04T09:23:30.694" v="1648" actId="20577"/>
+          <ac:spMkLst>
+            <pc:docMk/>
+            <pc:sldMk cId="0" sldId="256"/>
+            <ac:spMk id="12" creationId="{9A5C5996-C506-42D4-8B45-0190C0F5159A}"/>
+          </ac:spMkLst>
+        </pc:spChg>
+      </pc:sldChg>
+      <pc:sldChg chg="modSp mod ord">
+        <pc:chgData name="Andrew Ming Ho Wu" userId="620d876fccae6a25" providerId="LiveId" clId="{301D553B-ED1B-4DD0-8B60-0326FA0FE40D}" dt="2020-12-04T09:37:15.202" v="1818" actId="1076"/>
+        <pc:sldMkLst>
+          <pc:docMk/>
+          <pc:sldMk cId="3627176467" sldId="330"/>
+        </pc:sldMkLst>
+        <pc:spChg chg="mod">
+          <ac:chgData name="Andrew Ming Ho Wu" userId="620d876fccae6a25" providerId="LiveId" clId="{301D553B-ED1B-4DD0-8B60-0326FA0FE40D}" dt="2020-12-04T09:37:15.202" v="1818" actId="1076"/>
+          <ac:spMkLst>
+            <pc:docMk/>
+            <pc:sldMk cId="3627176467" sldId="330"/>
+            <ac:spMk id="11" creationId="{51D20990-98D9-4852-A91C-AEF4EC3755F8}"/>
+          </ac:spMkLst>
+        </pc:spChg>
+      </pc:sldChg>
+      <pc:sldChg chg="addSp delSp modSp mod">
+        <pc:chgData name="Andrew Ming Ho Wu" userId="620d876fccae6a25" providerId="LiveId" clId="{301D553B-ED1B-4DD0-8B60-0326FA0FE40D}" dt="2020-12-04T09:57:29.774" v="2192" actId="20577"/>
+        <pc:sldMkLst>
+          <pc:docMk/>
+          <pc:sldMk cId="2206058006" sldId="333"/>
+        </pc:sldMkLst>
+        <pc:spChg chg="mod">
+          <ac:chgData name="Andrew Ming Ho Wu" userId="620d876fccae6a25" providerId="LiveId" clId="{301D553B-ED1B-4DD0-8B60-0326FA0FE40D}" dt="2020-12-04T09:54:08.146" v="2088" actId="1076"/>
+          <ac:spMkLst>
+            <pc:docMk/>
+            <pc:sldMk cId="2206058006" sldId="333"/>
+            <ac:spMk id="5" creationId="{00000000-0000-0000-0000-000000000000}"/>
+          </ac:spMkLst>
+        </pc:spChg>
+        <pc:spChg chg="add del mod">
+          <ac:chgData name="Andrew Ming Ho Wu" userId="620d876fccae6a25" providerId="LiveId" clId="{301D553B-ED1B-4DD0-8B60-0326FA0FE40D}" dt="2020-12-04T09:57:29.774" v="2192" actId="20577"/>
+          <ac:spMkLst>
+            <pc:docMk/>
+            <pc:sldMk cId="2206058006" sldId="333"/>
+            <ac:spMk id="11" creationId="{3E2506E2-B67A-4B0D-BA61-6B13AC56BACF}"/>
+          </ac:spMkLst>
+        </pc:spChg>
+      </pc:sldChg>
+      <pc:sldChg chg="modSp mod">
+        <pc:chgData name="Andrew Ming Ho Wu" userId="620d876fccae6a25" providerId="LiveId" clId="{301D553B-ED1B-4DD0-8B60-0326FA0FE40D}" dt="2020-12-03T19:29:39.167" v="656" actId="20577"/>
+        <pc:sldMkLst>
+          <pc:docMk/>
+          <pc:sldMk cId="2818220858" sldId="343"/>
+        </pc:sldMkLst>
+        <pc:spChg chg="mod">
+          <ac:chgData name="Andrew Ming Ho Wu" userId="620d876fccae6a25" providerId="LiveId" clId="{301D553B-ED1B-4DD0-8B60-0326FA0FE40D}" dt="2020-12-03T19:29:34.248" v="655" actId="20577"/>
+          <ac:spMkLst>
+            <pc:docMk/>
+            <pc:sldMk cId="2818220858" sldId="343"/>
+            <ac:spMk id="8" creationId="{9D42ABF8-029E-4F29-B608-8C118D28ABA1}"/>
+          </ac:spMkLst>
+        </pc:spChg>
+        <pc:spChg chg="mod">
+          <ac:chgData name="Andrew Ming Ho Wu" userId="620d876fccae6a25" providerId="LiveId" clId="{301D553B-ED1B-4DD0-8B60-0326FA0FE40D}" dt="2020-12-03T19:29:39.167" v="656" actId="20577"/>
+          <ac:spMkLst>
+            <pc:docMk/>
+            <pc:sldMk cId="2818220858" sldId="343"/>
+            <ac:spMk id="15" creationId="{5FC8DCBF-4CCE-4C22-8B9F-CC50B4D8446D}"/>
+          </ac:spMkLst>
+        </pc:spChg>
+      </pc:sldChg>
+      <pc:sldChg chg="addSp delSp modSp mod">
+        <pc:chgData name="Andrew Ming Ho Wu" userId="620d876fccae6a25" providerId="LiveId" clId="{301D553B-ED1B-4DD0-8B60-0326FA0FE40D}" dt="2020-12-03T19:23:50.731" v="4"/>
+        <pc:sldMkLst>
+          <pc:docMk/>
+          <pc:sldMk cId="1002563172" sldId="387"/>
+        </pc:sldMkLst>
+        <pc:spChg chg="add del mod">
+          <ac:chgData name="Andrew Ming Ho Wu" userId="620d876fccae6a25" providerId="LiveId" clId="{301D553B-ED1B-4DD0-8B60-0326FA0FE40D}" dt="2020-12-03T19:23:50.731" v="4"/>
+          <ac:spMkLst>
+            <pc:docMk/>
+            <pc:sldMk cId="1002563172" sldId="387"/>
+            <ac:spMk id="11" creationId="{BA618F6F-1997-4079-B11E-BC24229FBCC5}"/>
+          </ac:spMkLst>
+        </pc:spChg>
+      </pc:sldChg>
+    </pc:docChg>
+  </pc:docChgLst>
+  <pc:docChgLst>
+    <pc:chgData name="Andrew Ming Ho Wu" userId="620d876fccae6a25" providerId="LiveId" clId="{70051DB0-1E4A-4F76-B9FF-8FCA6C4B0B08}"/>
+    <pc:docChg chg="undo custSel addSld delSld modSld">
+      <pc:chgData name="Andrew Ming Ho Wu" userId="620d876fccae6a25" providerId="LiveId" clId="{70051DB0-1E4A-4F76-B9FF-8FCA6C4B0B08}" dt="2020-10-16T08:50:56.802" v="1997" actId="5793"/>
+      <pc:docMkLst>
+        <pc:docMk/>
+      </pc:docMkLst>
+      <pc:sldChg chg="modSp mod">
+        <pc:chgData name="Andrew Ming Ho Wu" userId="620d876fccae6a25" providerId="LiveId" clId="{70051DB0-1E4A-4F76-B9FF-8FCA6C4B0B08}" dt="2020-10-16T08:13:04.374" v="1601" actId="255"/>
+        <pc:sldMkLst>
+          <pc:docMk/>
+          <pc:sldMk cId="0" sldId="256"/>
+        </pc:sldMkLst>
+        <pc:spChg chg="mod">
+          <ac:chgData name="Andrew Ming Ho Wu" userId="620d876fccae6a25" providerId="LiveId" clId="{70051DB0-1E4A-4F76-B9FF-8FCA6C4B0B08}" dt="2020-10-16T08:13:04.374" v="1601" actId="255"/>
           <ac:spMkLst>
             <pc:docMk/>
             <pc:sldMk cId="0" sldId="256"/>
@@ -3514,7 +3614,7 @@
           </ac:spMkLst>
         </pc:spChg>
         <pc:spChg chg="mod">
-          <ac:chgData name="Andrew Ming Ho Wu" userId="620d876fccae6a25" providerId="LiveId" clId="{B8CC6B97-FBEB-4E84-A973-1D8D00A51797}" dt="2020-12-07T11:47:32.514" v="4" actId="20577"/>
+          <ac:chgData name="Andrew Ming Ho Wu" userId="620d876fccae6a25" providerId="LiveId" clId="{70051DB0-1E4A-4F76-B9FF-8FCA6C4B0B08}" dt="2020-10-14T11:03:10.696" v="1511" actId="20577"/>
           <ac:spMkLst>
             <pc:docMk/>
             <pc:sldMk cId="0" sldId="256"/>
@@ -3522,116 +3622,263 @@
           </ac:spMkLst>
         </pc:spChg>
       </pc:sldChg>
+      <pc:sldChg chg="addSp delSp modSp mod">
+        <pc:chgData name="Andrew Ming Ho Wu" userId="620d876fccae6a25" providerId="LiveId" clId="{70051DB0-1E4A-4F76-B9FF-8FCA6C4B0B08}" dt="2020-10-16T08:14:10.986" v="1623" actId="1076"/>
+        <pc:sldMkLst>
+          <pc:docMk/>
+          <pc:sldMk cId="0" sldId="259"/>
+        </pc:sldMkLst>
+        <pc:spChg chg="mod">
+          <ac:chgData name="Andrew Ming Ho Wu" userId="620d876fccae6a25" providerId="LiveId" clId="{70051DB0-1E4A-4F76-B9FF-8FCA6C4B0B08}" dt="2020-10-16T08:14:10.986" v="1623" actId="1076"/>
+          <ac:spMkLst>
+            <pc:docMk/>
+            <pc:sldMk cId="0" sldId="259"/>
+            <ac:spMk id="5" creationId="{00000000-0000-0000-0000-000000000000}"/>
+          </ac:spMkLst>
+        </pc:spChg>
+        <pc:spChg chg="del mod">
+          <ac:chgData name="Andrew Ming Ho Wu" userId="620d876fccae6a25" providerId="LiveId" clId="{70051DB0-1E4A-4F76-B9FF-8FCA6C4B0B08}" dt="2020-10-14T10:56:16.263" v="803"/>
+          <ac:spMkLst>
+            <pc:docMk/>
+            <pc:sldMk cId="0" sldId="259"/>
+            <ac:spMk id="12" creationId="{7E70BACB-1CF0-4DEE-923B-205A7D88BC2B}"/>
+          </ac:spMkLst>
+        </pc:spChg>
+        <pc:graphicFrameChg chg="add del mod modGraphic">
+          <ac:chgData name="Andrew Ming Ho Wu" userId="620d876fccae6a25" providerId="LiveId" clId="{70051DB0-1E4A-4F76-B9FF-8FCA6C4B0B08}" dt="2020-10-16T08:13:58.412" v="1603" actId="478"/>
+          <ac:graphicFrameMkLst>
+            <pc:docMk/>
+            <pc:sldMk cId="0" sldId="259"/>
+            <ac:graphicFrameMk id="6" creationId="{F9FF6ED5-1599-4BAE-B1B8-E9E0AA0B54BA}"/>
+          </ac:graphicFrameMkLst>
+        </pc:graphicFrameChg>
+      </pc:sldChg>
       <pc:sldChg chg="modSp del mod">
-        <pc:chgData name="Andrew Ming Ho Wu" userId="620d876fccae6a25" providerId="LiveId" clId="{B8CC6B97-FBEB-4E84-A973-1D8D00A51797}" dt="2020-12-07T14:43:22.840" v="2386" actId="47"/>
+        <pc:chgData name="Andrew Ming Ho Wu" userId="620d876fccae6a25" providerId="LiveId" clId="{70051DB0-1E4A-4F76-B9FF-8FCA6C4B0B08}" dt="2020-10-16T08:14:23.170" v="1624" actId="2696"/>
+        <pc:sldMkLst>
+          <pc:docMk/>
+          <pc:sldMk cId="4141595128" sldId="301"/>
+        </pc:sldMkLst>
+        <pc:spChg chg="mod">
+          <ac:chgData name="Andrew Ming Ho Wu" userId="620d876fccae6a25" providerId="LiveId" clId="{70051DB0-1E4A-4F76-B9FF-8FCA6C4B0B08}" dt="2020-10-14T10:57:15.205" v="832" actId="20577"/>
+          <ac:spMkLst>
+            <pc:docMk/>
+            <pc:sldMk cId="4141595128" sldId="301"/>
+            <ac:spMk id="5" creationId="{00000000-0000-0000-0000-000000000000}"/>
+          </ac:spMkLst>
+        </pc:spChg>
+        <pc:spChg chg="mod">
+          <ac:chgData name="Andrew Ming Ho Wu" userId="620d876fccae6a25" providerId="LiveId" clId="{70051DB0-1E4A-4F76-B9FF-8FCA6C4B0B08}" dt="2020-10-14T10:57:56.133" v="1014" actId="1076"/>
+          <ac:spMkLst>
+            <pc:docMk/>
+            <pc:sldMk cId="4141595128" sldId="301"/>
+            <ac:spMk id="12" creationId="{7E70BACB-1CF0-4DEE-923B-205A7D88BC2B}"/>
+          </ac:spMkLst>
+        </pc:spChg>
+      </pc:sldChg>
+      <pc:sldChg chg="modSp mod">
+        <pc:chgData name="Andrew Ming Ho Wu" userId="620d876fccae6a25" providerId="LiveId" clId="{70051DB0-1E4A-4F76-B9FF-8FCA6C4B0B08}" dt="2020-10-16T08:50:56.802" v="1997" actId="5793"/>
+        <pc:sldMkLst>
+          <pc:docMk/>
+          <pc:sldMk cId="428898620" sldId="329"/>
+        </pc:sldMkLst>
+        <pc:spChg chg="mod">
+          <ac:chgData name="Andrew Ming Ho Wu" userId="620d876fccae6a25" providerId="LiveId" clId="{70051DB0-1E4A-4F76-B9FF-8FCA6C4B0B08}" dt="2020-10-14T10:58:08.788" v="1025" actId="20577"/>
+          <ac:spMkLst>
+            <pc:docMk/>
+            <pc:sldMk cId="428898620" sldId="329"/>
+            <ac:spMk id="5" creationId="{00000000-0000-0000-0000-000000000000}"/>
+          </ac:spMkLst>
+        </pc:spChg>
+        <pc:spChg chg="mod">
+          <ac:chgData name="Andrew Ming Ho Wu" userId="620d876fccae6a25" providerId="LiveId" clId="{70051DB0-1E4A-4F76-B9FF-8FCA6C4B0B08}" dt="2020-10-16T08:50:56.802" v="1997" actId="5793"/>
+          <ac:spMkLst>
+            <pc:docMk/>
+            <pc:sldMk cId="428898620" sldId="329"/>
+            <ac:spMk id="12" creationId="{7E70BACB-1CF0-4DEE-923B-205A7D88BC2B}"/>
+          </ac:spMkLst>
+        </pc:spChg>
+      </pc:sldChg>
+      <pc:sldChg chg="addSp delSp modSp mod">
+        <pc:chgData name="Andrew Ming Ho Wu" userId="620d876fccae6a25" providerId="LiveId" clId="{70051DB0-1E4A-4F76-B9FF-8FCA6C4B0B08}" dt="2020-10-14T11:04:43.468" v="1595" actId="1076"/>
         <pc:sldMkLst>
           <pc:docMk/>
           <pc:sldMk cId="3627176467" sldId="330"/>
         </pc:sldMkLst>
         <pc:spChg chg="mod">
-          <ac:chgData name="Andrew Ming Ho Wu" userId="620d876fccae6a25" providerId="LiveId" clId="{B8CC6B97-FBEB-4E84-A973-1D8D00A51797}" dt="2020-12-07T11:49:36.385" v="427" actId="115"/>
+          <ac:chgData name="Andrew Ming Ho Wu" userId="620d876fccae6a25" providerId="LiveId" clId="{70051DB0-1E4A-4F76-B9FF-8FCA6C4B0B08}" dt="2020-10-14T11:04:43.468" v="1595" actId="1076"/>
           <ac:spMkLst>
             <pc:docMk/>
             <pc:sldMk cId="3627176467" sldId="330"/>
-            <ac:spMk id="11" creationId="{51D20990-98D9-4852-A91C-AEF4EC3755F8}"/>
-          </ac:spMkLst>
-        </pc:spChg>
-      </pc:sldChg>
-      <pc:sldChg chg="addSp delSp modSp mod">
-        <pc:chgData name="Andrew Ming Ho Wu" userId="620d876fccae6a25" providerId="LiveId" clId="{B8CC6B97-FBEB-4E84-A973-1D8D00A51797}" dt="2020-12-09T20:19:32.434" v="3257" actId="20577"/>
-        <pc:sldMkLst>
-          <pc:docMk/>
-          <pc:sldMk cId="2206058006" sldId="333"/>
-        </pc:sldMkLst>
-        <pc:spChg chg="mod">
-          <ac:chgData name="Andrew Ming Ho Wu" userId="620d876fccae6a25" providerId="LiveId" clId="{B8CC6B97-FBEB-4E84-A973-1D8D00A51797}" dt="2020-12-08T20:51:48.995" v="2411" actId="20577"/>
-          <ac:spMkLst>
-            <pc:docMk/>
-            <pc:sldMk cId="2206058006" sldId="333"/>
             <ac:spMk id="5" creationId="{00000000-0000-0000-0000-000000000000}"/>
           </ac:spMkLst>
         </pc:spChg>
+        <pc:spChg chg="add del mod">
+          <ac:chgData name="Andrew Ming Ho Wu" userId="620d876fccae6a25" providerId="LiveId" clId="{70051DB0-1E4A-4F76-B9FF-8FCA6C4B0B08}" dt="2020-10-14T11:02:05.801" v="1498" actId="20577"/>
+          <ac:spMkLst>
+            <pc:docMk/>
+            <pc:sldMk cId="3627176467" sldId="330"/>
+            <ac:spMk id="12" creationId="{7E70BACB-1CF0-4DEE-923B-205A7D88BC2B}"/>
+          </ac:spMkLst>
+        </pc:spChg>
+      </pc:sldChg>
+      <pc:sldChg chg="delSp modSp mod">
+        <pc:chgData name="Andrew Ming Ho Wu" userId="620d876fccae6a25" providerId="LiveId" clId="{70051DB0-1E4A-4F76-B9FF-8FCA6C4B0B08}" dt="2020-10-14T11:02:51.398" v="1506" actId="1076"/>
+        <pc:sldMkLst>
+          <pc:docMk/>
+          <pc:sldMk cId="311588258" sldId="331"/>
+        </pc:sldMkLst>
+        <pc:spChg chg="mod">
+          <ac:chgData name="Andrew Ming Ho Wu" userId="620d876fccae6a25" providerId="LiveId" clId="{70051DB0-1E4A-4F76-B9FF-8FCA6C4B0B08}" dt="2020-10-14T11:02:51.398" v="1506" actId="1076"/>
+          <ac:spMkLst>
+            <pc:docMk/>
+            <pc:sldMk cId="311588258" sldId="331"/>
+            <ac:spMk id="5" creationId="{00000000-0000-0000-0000-000000000000}"/>
+          </ac:spMkLst>
+        </pc:spChg>
         <pc:spChg chg="del">
-          <ac:chgData name="Andrew Ming Ho Wu" userId="620d876fccae6a25" providerId="LiveId" clId="{B8CC6B97-FBEB-4E84-A973-1D8D00A51797}" dt="2020-12-07T11:49:40.438" v="428" actId="478"/>
-          <ac:spMkLst>
-            <pc:docMk/>
-            <pc:sldMk cId="2206058006" sldId="333"/>
-            <ac:spMk id="11" creationId="{3E2506E2-B67A-4B0D-BA61-6B13AC56BACF}"/>
-          </ac:spMkLst>
-        </pc:spChg>
-        <pc:spChg chg="add del mod">
-          <ac:chgData name="Andrew Ming Ho Wu" userId="620d876fccae6a25" providerId="LiveId" clId="{B8CC6B97-FBEB-4E84-A973-1D8D00A51797}" dt="2020-12-09T20:19:32.434" v="3257" actId="20577"/>
-          <ac:spMkLst>
-            <pc:docMk/>
-            <pc:sldMk cId="2206058006" sldId="333"/>
-            <ac:spMk id="12" creationId="{11F2B6B6-0466-4FF3-9677-694F0F61AE7C}"/>
+          <ac:chgData name="Andrew Ming Ho Wu" userId="620d876fccae6a25" providerId="LiveId" clId="{70051DB0-1E4A-4F76-B9FF-8FCA6C4B0B08}" dt="2020-10-14T11:02:34.036" v="1502" actId="478"/>
+          <ac:spMkLst>
+            <pc:docMk/>
+            <pc:sldMk cId="311588258" sldId="331"/>
+            <ac:spMk id="12" creationId="{7E70BACB-1CF0-4DEE-923B-205A7D88BC2B}"/>
           </ac:spMkLst>
         </pc:spChg>
         <pc:grpChg chg="mod">
-          <ac:chgData name="Andrew Ming Ho Wu" userId="620d876fccae6a25" providerId="LiveId" clId="{B8CC6B97-FBEB-4E84-A973-1D8D00A51797}" dt="2020-12-07T11:50:20.258" v="465" actId="1076"/>
+          <ac:chgData name="Andrew Ming Ho Wu" userId="620d876fccae6a25" providerId="LiveId" clId="{70051DB0-1E4A-4F76-B9FF-8FCA6C4B0B08}" dt="2020-10-14T11:02:46.399" v="1505" actId="1076"/>
           <ac:grpSpMkLst>
             <pc:docMk/>
-            <pc:sldMk cId="2206058006" sldId="333"/>
+            <pc:sldMk cId="311588258" sldId="331"/>
             <ac:grpSpMk id="2" creationId="{00000000-0000-0000-0000-000000000000}"/>
           </ac:grpSpMkLst>
         </pc:grpChg>
-        <pc:grpChg chg="mod">
-          <ac:chgData name="Andrew Ming Ho Wu" userId="620d876fccae6a25" providerId="LiveId" clId="{B8CC6B97-FBEB-4E84-A973-1D8D00A51797}" dt="2020-12-07T11:50:22.733" v="466" actId="1076"/>
-          <ac:grpSpMkLst>
+      </pc:sldChg>
+      <pc:sldChg chg="del">
+        <pc:chgData name="Andrew Ming Ho Wu" userId="620d876fccae6a25" providerId="LiveId" clId="{70051DB0-1E4A-4F76-B9FF-8FCA6C4B0B08}" dt="2020-10-14T11:02:58.709" v="1507" actId="2696"/>
+        <pc:sldMkLst>
+          <pc:docMk/>
+          <pc:sldMk cId="1678336179" sldId="332"/>
+        </pc:sldMkLst>
+      </pc:sldChg>
+      <pc:sldChg chg="modSp mod">
+        <pc:chgData name="Andrew Ming Ho Wu" userId="620d876fccae6a25" providerId="LiveId" clId="{70051DB0-1E4A-4F76-B9FF-8FCA6C4B0B08}" dt="2020-10-16T08:31:21.227" v="1924" actId="20577"/>
+        <pc:sldMkLst>
+          <pc:docMk/>
+          <pc:sldMk cId="2206058006" sldId="333"/>
+        </pc:sldMkLst>
+        <pc:spChg chg="mod">
+          <ac:chgData name="Andrew Ming Ho Wu" userId="620d876fccae6a25" providerId="LiveId" clId="{70051DB0-1E4A-4F76-B9FF-8FCA6C4B0B08}" dt="2020-10-16T08:17:59.360" v="1712" actId="20577"/>
+          <ac:spMkLst>
             <pc:docMk/>
             <pc:sldMk cId="2206058006" sldId="333"/>
-            <ac:grpSpMk id="8" creationId="{00000000-0000-0000-0000-000000000000}"/>
-          </ac:grpSpMkLst>
-        </pc:grpChg>
-      </pc:sldChg>
-      <pc:sldChg chg="addSp delSp modSp mod">
-        <pc:chgData name="Andrew Ming Ho Wu" userId="620d876fccae6a25" providerId="LiveId" clId="{B8CC6B97-FBEB-4E84-A973-1D8D00A51797}" dt="2020-12-07T12:17:11.563" v="2385" actId="20577"/>
+            <ac:spMk id="5" creationId="{00000000-0000-0000-0000-000000000000}"/>
+          </ac:spMkLst>
+        </pc:spChg>
+        <pc:spChg chg="mod">
+          <ac:chgData name="Andrew Ming Ho Wu" userId="620d876fccae6a25" providerId="LiveId" clId="{70051DB0-1E4A-4F76-B9FF-8FCA6C4B0B08}" dt="2020-10-16T08:31:21.227" v="1924" actId="20577"/>
+          <ac:spMkLst>
+            <pc:docMk/>
+            <pc:sldMk cId="2206058006" sldId="333"/>
+            <ac:spMk id="12" creationId="{7E70BACB-1CF0-4DEE-923B-205A7D88BC2B}"/>
+          </ac:spMkLst>
+        </pc:spChg>
+      </pc:sldChg>
+      <pc:sldChg chg="del">
+        <pc:chgData name="Andrew Ming Ho Wu" userId="620d876fccae6a25" providerId="LiveId" clId="{70051DB0-1E4A-4F76-B9FF-8FCA6C4B0B08}" dt="2020-10-14T10:49:02.566" v="132" actId="2696"/>
+        <pc:sldMkLst>
+          <pc:docMk/>
+          <pc:sldMk cId="1994449026" sldId="335"/>
+        </pc:sldMkLst>
+      </pc:sldChg>
+      <pc:sldChg chg="del">
+        <pc:chgData name="Andrew Ming Ho Wu" userId="620d876fccae6a25" providerId="LiveId" clId="{70051DB0-1E4A-4F76-B9FF-8FCA6C4B0B08}" dt="2020-10-14T11:02:58.709" v="1507" actId="2696"/>
+        <pc:sldMkLst>
+          <pc:docMk/>
+          <pc:sldMk cId="491446009" sldId="336"/>
+        </pc:sldMkLst>
+      </pc:sldChg>
+      <pc:sldChg chg="del">
+        <pc:chgData name="Andrew Ming Ho Wu" userId="620d876fccae6a25" providerId="LiveId" clId="{70051DB0-1E4A-4F76-B9FF-8FCA6C4B0B08}" dt="2020-10-14T11:02:58.709" v="1507" actId="2696"/>
+        <pc:sldMkLst>
+          <pc:docMk/>
+          <pc:sldMk cId="3153837584" sldId="337"/>
+        </pc:sldMkLst>
+      </pc:sldChg>
+      <pc:sldChg chg="del">
+        <pc:chgData name="Andrew Ming Ho Wu" userId="620d876fccae6a25" providerId="LiveId" clId="{70051DB0-1E4A-4F76-B9FF-8FCA6C4B0B08}" dt="2020-10-14T11:02:58.709" v="1507" actId="2696"/>
+        <pc:sldMkLst>
+          <pc:docMk/>
+          <pc:sldMk cId="1064973513" sldId="338"/>
+        </pc:sldMkLst>
+      </pc:sldChg>
+      <pc:sldChg chg="del">
+        <pc:chgData name="Andrew Ming Ho Wu" userId="620d876fccae6a25" providerId="LiveId" clId="{70051DB0-1E4A-4F76-B9FF-8FCA6C4B0B08}" dt="2020-10-14T11:02:58.709" v="1507" actId="2696"/>
+        <pc:sldMkLst>
+          <pc:docMk/>
+          <pc:sldMk cId="3865668538" sldId="339"/>
+        </pc:sldMkLst>
+      </pc:sldChg>
+      <pc:sldChg chg="del">
+        <pc:chgData name="Andrew Ming Ho Wu" userId="620d876fccae6a25" providerId="LiveId" clId="{70051DB0-1E4A-4F76-B9FF-8FCA6C4B0B08}" dt="2020-10-14T11:02:58.709" v="1507" actId="2696"/>
+        <pc:sldMkLst>
+          <pc:docMk/>
+          <pc:sldMk cId="1140042678" sldId="340"/>
+        </pc:sldMkLst>
+      </pc:sldChg>
+      <pc:sldChg chg="del">
+        <pc:chgData name="Andrew Ming Ho Wu" userId="620d876fccae6a25" providerId="LiveId" clId="{70051DB0-1E4A-4F76-B9FF-8FCA6C4B0B08}" dt="2020-10-14T11:02:58.709" v="1507" actId="2696"/>
+        <pc:sldMkLst>
+          <pc:docMk/>
+          <pc:sldMk cId="2792681432" sldId="341"/>
+        </pc:sldMkLst>
+      </pc:sldChg>
+      <pc:sldChg chg="del">
+        <pc:chgData name="Andrew Ming Ho Wu" userId="620d876fccae6a25" providerId="LiveId" clId="{70051DB0-1E4A-4F76-B9FF-8FCA6C4B0B08}" dt="2020-10-14T11:02:58.709" v="1507" actId="2696"/>
+        <pc:sldMkLst>
+          <pc:docMk/>
+          <pc:sldMk cId="3458398597" sldId="342"/>
+        </pc:sldMkLst>
+      </pc:sldChg>
+      <pc:sldChg chg="delSp modSp mod">
+        <pc:chgData name="Andrew Ming Ho Wu" userId="620d876fccae6a25" providerId="LiveId" clId="{70051DB0-1E4A-4F76-B9FF-8FCA6C4B0B08}" dt="2020-10-16T08:17:39.434" v="1697" actId="20577"/>
         <pc:sldMkLst>
           <pc:docMk/>
           <pc:sldMk cId="2818220858" sldId="343"/>
         </pc:sldMkLst>
         <pc:spChg chg="mod">
-          <ac:chgData name="Andrew Ming Ho Wu" userId="620d876fccae6a25" providerId="LiveId" clId="{B8CC6B97-FBEB-4E84-A973-1D8D00A51797}" dt="2020-12-07T12:16:53.205" v="2364" actId="1076"/>
+          <ac:chgData name="Andrew Ming Ho Wu" userId="620d876fccae6a25" providerId="LiveId" clId="{70051DB0-1E4A-4F76-B9FF-8FCA6C4B0B08}" dt="2020-10-16T08:17:39.434" v="1697" actId="20577"/>
           <ac:spMkLst>
             <pc:docMk/>
             <pc:sldMk cId="2818220858" sldId="343"/>
             <ac:spMk id="5" creationId="{81D7F47C-B22C-46A9-BD87-E2FA064EC20F}"/>
           </ac:spMkLst>
         </pc:spChg>
-        <pc:spChg chg="mod">
-          <ac:chgData name="Andrew Ming Ho Wu" userId="620d876fccae6a25" providerId="LiveId" clId="{B8CC6B97-FBEB-4E84-A973-1D8D00A51797}" dt="2020-12-07T12:16:25.853" v="2338" actId="20577"/>
+        <pc:spChg chg="del">
+          <ac:chgData name="Andrew Ming Ho Wu" userId="620d876fccae6a25" providerId="LiveId" clId="{70051DB0-1E4A-4F76-B9FF-8FCA6C4B0B08}" dt="2020-10-14T10:48:34.682" v="129" actId="478"/>
           <ac:spMkLst>
             <pc:docMk/>
             <pc:sldMk cId="2818220858" sldId="343"/>
-            <ac:spMk id="8" creationId="{9D42ABF8-029E-4F29-B608-8C118D28ABA1}"/>
-          </ac:spMkLst>
-        </pc:spChg>
-        <pc:spChg chg="add del mod">
-          <ac:chgData name="Andrew Ming Ho Wu" userId="620d876fccae6a25" providerId="LiveId" clId="{B8CC6B97-FBEB-4E84-A973-1D8D00A51797}" dt="2020-12-07T12:17:00.094" v="2366"/>
-          <ac:spMkLst>
-            <pc:docMk/>
-            <pc:sldMk cId="2818220858" sldId="343"/>
-            <ac:spMk id="14" creationId="{4008C9F8-7034-4640-926C-69C20356432C}"/>
-          </ac:spMkLst>
-        </pc:spChg>
-        <pc:spChg chg="mod">
-          <ac:chgData name="Andrew Ming Ho Wu" userId="620d876fccae6a25" providerId="LiveId" clId="{B8CC6B97-FBEB-4E84-A973-1D8D00A51797}" dt="2020-12-07T11:47:46.566" v="35" actId="20577"/>
+            <ac:spMk id="7" creationId="{8F1A7018-DAB3-4DD6-9851-CCE349574926}"/>
+          </ac:spMkLst>
+        </pc:spChg>
+        <pc:spChg chg="mod">
+          <ac:chgData name="Andrew Ming Ho Wu" userId="620d876fccae6a25" providerId="LiveId" clId="{70051DB0-1E4A-4F76-B9FF-8FCA6C4B0B08}" dt="2020-10-16T08:17:36.046" v="1691" actId="20577"/>
           <ac:spMkLst>
             <pc:docMk/>
             <pc:sldMk cId="2818220858" sldId="343"/>
             <ac:spMk id="15" creationId="{5FC8DCBF-4CCE-4C22-8B9F-CC50B4D8446D}"/>
           </ac:spMkLst>
         </pc:spChg>
-        <pc:spChg chg="add mod">
-          <ac:chgData name="Andrew Ming Ho Wu" userId="620d876fccae6a25" providerId="LiveId" clId="{B8CC6B97-FBEB-4E84-A973-1D8D00A51797}" dt="2020-12-07T12:17:11.563" v="2385" actId="20577"/>
+        <pc:spChg chg="del">
+          <ac:chgData name="Andrew Ming Ho Wu" userId="620d876fccae6a25" providerId="LiveId" clId="{70051DB0-1E4A-4F76-B9FF-8FCA6C4B0B08}" dt="2020-10-14T10:48:41.238" v="130" actId="478"/>
           <ac:spMkLst>
             <pc:docMk/>
             <pc:sldMk cId="2818220858" sldId="343"/>
-            <ac:spMk id="16" creationId="{9776CE46-BCD9-4FBA-A83A-BE5C5D29A965}"/>
+            <ac:spMk id="20" creationId="{A6F76399-04DE-46A8-BF2C-99ED8D141BD3}"/>
           </ac:spMkLst>
         </pc:spChg>
         <pc:grpChg chg="mod">
-          <ac:chgData name="Andrew Ming Ho Wu" userId="620d876fccae6a25" providerId="LiveId" clId="{B8CC6B97-FBEB-4E84-A973-1D8D00A51797}" dt="2020-12-07T12:16:48.563" v="2363" actId="1076"/>
+          <ac:chgData name="Andrew Ming Ho Wu" userId="620d876fccae6a25" providerId="LiveId" clId="{70051DB0-1E4A-4F76-B9FF-8FCA6C4B0B08}" dt="2020-10-14T11:03:31.434" v="1538" actId="1076"/>
           <ac:grpSpMkLst>
             <pc:docMk/>
             <pc:sldMk cId="2818220858" sldId="343"/>
@@ -3639,124 +3886,18 @@
           </ac:grpSpMkLst>
         </pc:grpChg>
       </pc:sldChg>
-      <pc:sldChg chg="modSp mod">
-        <pc:chgData name="Andrew Ming Ho Wu" userId="620d876fccae6a25" providerId="LiveId" clId="{B8CC6B97-FBEB-4E84-A973-1D8D00A51797}" dt="2020-12-07T12:12:01.475" v="2130" actId="20577"/>
-        <pc:sldMkLst>
-          <pc:docMk/>
-          <pc:sldMk cId="1002563172" sldId="387"/>
-        </pc:sldMkLst>
-        <pc:spChg chg="mod">
-          <ac:chgData name="Andrew Ming Ho Wu" userId="620d876fccae6a25" providerId="LiveId" clId="{B8CC6B97-FBEB-4E84-A973-1D8D00A51797}" dt="2020-12-07T12:12:01.475" v="2130" actId="20577"/>
-          <ac:spMkLst>
-            <pc:docMk/>
-            <pc:sldMk cId="1002563172" sldId="387"/>
-            <ac:spMk id="5" creationId="{00000000-0000-0000-0000-000000000000}"/>
-          </ac:spMkLst>
-        </pc:spChg>
-      </pc:sldChg>
-      <pc:sldChg chg="modSp add mod">
-        <pc:chgData name="Andrew Ming Ho Wu" userId="620d876fccae6a25" providerId="LiveId" clId="{B8CC6B97-FBEB-4E84-A973-1D8D00A51797}" dt="2020-12-09T20:21:14.831" v="3322" actId="1076"/>
-        <pc:sldMkLst>
-          <pc:docMk/>
-          <pc:sldMk cId="2049264590" sldId="388"/>
-        </pc:sldMkLst>
-        <pc:spChg chg="mod">
-          <ac:chgData name="Andrew Ming Ho Wu" userId="620d876fccae6a25" providerId="LiveId" clId="{B8CC6B97-FBEB-4E84-A973-1D8D00A51797}" dt="2020-12-09T20:21:14.831" v="3322" actId="1076"/>
-          <ac:spMkLst>
-            <pc:docMk/>
-            <pc:sldMk cId="2049264590" sldId="388"/>
-            <ac:spMk id="12" creationId="{11F2B6B6-0466-4FF3-9677-694F0F61AE7C}"/>
-          </ac:spMkLst>
-        </pc:spChg>
+      <pc:sldChg chg="add del">
+        <pc:chgData name="Andrew Ming Ho Wu" userId="620d876fccae6a25" providerId="LiveId" clId="{70051DB0-1E4A-4F76-B9FF-8FCA6C4B0B08}" dt="2020-10-16T08:17:51.506" v="1699" actId="2890"/>
+        <pc:sldMkLst>
+          <pc:docMk/>
+          <pc:sldMk cId="882795893" sldId="344"/>
+        </pc:sldMkLst>
       </pc:sldChg>
       <pc:sldChg chg="add">
-        <pc:chgData name="Andrew Ming Ho Wu" userId="620d876fccae6a25" providerId="LiveId" clId="{B8CC6B97-FBEB-4E84-A973-1D8D00A51797}" dt="2020-12-07T12:11:57.600" v="2129" actId="2890"/>
-        <pc:sldMkLst>
-          <pc:docMk/>
-          <pc:sldMk cId="1012779811" sldId="389"/>
-        </pc:sldMkLst>
-      </pc:sldChg>
-      <pc:sldChg chg="modSp add mod">
-        <pc:chgData name="Andrew Ming Ho Wu" userId="620d876fccae6a25" providerId="LiveId" clId="{B8CC6B97-FBEB-4E84-A973-1D8D00A51797}" dt="2020-12-07T12:13:16.646" v="2234" actId="255"/>
-        <pc:sldMkLst>
-          <pc:docMk/>
-          <pc:sldMk cId="2782934202" sldId="390"/>
-        </pc:sldMkLst>
-        <pc:spChg chg="mod">
-          <ac:chgData name="Andrew Ming Ho Wu" userId="620d876fccae6a25" providerId="LiveId" clId="{B8CC6B97-FBEB-4E84-A973-1D8D00A51797}" dt="2020-12-07T12:12:22.476" v="2139" actId="20577"/>
-          <ac:spMkLst>
-            <pc:docMk/>
-            <pc:sldMk cId="2782934202" sldId="390"/>
-            <ac:spMk id="5" creationId="{00000000-0000-0000-0000-000000000000}"/>
-          </ac:spMkLst>
-        </pc:spChg>
-        <pc:spChg chg="mod">
-          <ac:chgData name="Andrew Ming Ho Wu" userId="620d876fccae6a25" providerId="LiveId" clId="{B8CC6B97-FBEB-4E84-A973-1D8D00A51797}" dt="2020-12-07T12:13:16.646" v="2234" actId="255"/>
-          <ac:spMkLst>
-            <pc:docMk/>
-            <pc:sldMk cId="2782934202" sldId="390"/>
-            <ac:spMk id="12" creationId="{11F2B6B6-0466-4FF3-9677-694F0F61AE7C}"/>
-          </ac:spMkLst>
-        </pc:spChg>
-      </pc:sldChg>
-      <pc:sldChg chg="modSp add mod">
-        <pc:chgData name="Andrew Ming Ho Wu" userId="620d876fccae6a25" providerId="LiveId" clId="{B8CC6B97-FBEB-4E84-A973-1D8D00A51797}" dt="2020-12-07T12:14:09.189" v="2268" actId="20577"/>
-        <pc:sldMkLst>
-          <pc:docMk/>
-          <pc:sldMk cId="2582986712" sldId="391"/>
-        </pc:sldMkLst>
-        <pc:spChg chg="mod">
-          <ac:chgData name="Andrew Ming Ho Wu" userId="620d876fccae6a25" providerId="LiveId" clId="{B8CC6B97-FBEB-4E84-A973-1D8D00A51797}" dt="2020-12-07T12:14:09.189" v="2268" actId="20577"/>
-          <ac:spMkLst>
-            <pc:docMk/>
-            <pc:sldMk cId="2582986712" sldId="391"/>
-            <ac:spMk id="12" creationId="{11F2B6B6-0466-4FF3-9677-694F0F61AE7C}"/>
-          </ac:spMkLst>
-        </pc:spChg>
-      </pc:sldChg>
-      <pc:sldChg chg="modSp add mod">
-        <pc:chgData name="Andrew Ming Ho Wu" userId="620d876fccae6a25" providerId="LiveId" clId="{B8CC6B97-FBEB-4E84-A973-1D8D00A51797}" dt="2020-12-07T12:15:51.208" v="2307" actId="255"/>
-        <pc:sldMkLst>
-          <pc:docMk/>
-          <pc:sldMk cId="161672857" sldId="392"/>
-        </pc:sldMkLst>
-        <pc:spChg chg="mod">
-          <ac:chgData name="Andrew Ming Ho Wu" userId="620d876fccae6a25" providerId="LiveId" clId="{B8CC6B97-FBEB-4E84-A973-1D8D00A51797}" dt="2020-12-07T12:15:14.773" v="2298" actId="20577"/>
-          <ac:spMkLst>
-            <pc:docMk/>
-            <pc:sldMk cId="161672857" sldId="392"/>
-            <ac:spMk id="5" creationId="{00000000-0000-0000-0000-000000000000}"/>
-          </ac:spMkLst>
-        </pc:spChg>
-        <pc:spChg chg="mod">
-          <ac:chgData name="Andrew Ming Ho Wu" userId="620d876fccae6a25" providerId="LiveId" clId="{B8CC6B97-FBEB-4E84-A973-1D8D00A51797}" dt="2020-12-07T12:15:51.208" v="2307" actId="255"/>
-          <ac:spMkLst>
-            <pc:docMk/>
-            <pc:sldMk cId="161672857" sldId="392"/>
-            <ac:spMk id="12" creationId="{11F2B6B6-0466-4FF3-9677-694F0F61AE7C}"/>
-          </ac:spMkLst>
-        </pc:spChg>
-      </pc:sldChg>
-      <pc:sldChg chg="modSp add mod">
-        <pc:chgData name="Andrew Ming Ho Wu" userId="620d876fccae6a25" providerId="LiveId" clId="{B8CC6B97-FBEB-4E84-A973-1D8D00A51797}" dt="2020-12-09T20:20:31.079" v="3296" actId="20577"/>
-        <pc:sldMkLst>
-          <pc:docMk/>
-          <pc:sldMk cId="226674003" sldId="393"/>
-        </pc:sldMkLst>
-        <pc:spChg chg="mod">
-          <ac:chgData name="Andrew Ming Ho Wu" userId="620d876fccae6a25" providerId="LiveId" clId="{B8CC6B97-FBEB-4E84-A973-1D8D00A51797}" dt="2020-12-09T20:20:31.079" v="3296" actId="20577"/>
-          <ac:spMkLst>
-            <pc:docMk/>
-            <pc:sldMk cId="226674003" sldId="393"/>
-            <ac:spMk id="12" creationId="{11F2B6B6-0466-4FF3-9677-694F0F61AE7C}"/>
-          </ac:spMkLst>
-        </pc:spChg>
-      </pc:sldChg>
-      <pc:sldChg chg="add del">
-        <pc:chgData name="Andrew Ming Ho Wu" userId="620d876fccae6a25" providerId="LiveId" clId="{B8CC6B97-FBEB-4E84-A973-1D8D00A51797}" dt="2020-12-08T20:51:41.486" v="2393"/>
-        <pc:sldMkLst>
-          <pc:docMk/>
-          <pc:sldMk cId="1879883029" sldId="393"/>
+        <pc:chgData name="Andrew Ming Ho Wu" userId="620d876fccae6a25" providerId="LiveId" clId="{70051DB0-1E4A-4F76-B9FF-8FCA6C4B0B08}" dt="2020-10-16T08:17:54.089" v="1700" actId="2890"/>
+        <pc:sldMkLst>
+          <pc:docMk/>
+          <pc:sldMk cId="3427335621" sldId="344"/>
         </pc:sldMkLst>
       </pc:sldChg>
     </pc:docChg>
@@ -4748,20 +4889,20 @@
     </pc:docChg>
   </pc:docChgLst>
   <pc:docChgLst>
-    <pc:chgData name="Andrew Ming Ho Wu" userId="620d876fccae6a25" providerId="LiveId" clId="{70051DB0-1E4A-4F76-B9FF-8FCA6C4B0B08}"/>
-    <pc:docChg chg="undo custSel addSld delSld modSld">
-      <pc:chgData name="Andrew Ming Ho Wu" userId="620d876fccae6a25" providerId="LiveId" clId="{70051DB0-1E4A-4F76-B9FF-8FCA6C4B0B08}" dt="2020-10-16T08:50:56.802" v="1997" actId="5793"/>
+    <pc:chgData name="Andrew Ming Ho Wu" userId="620d876fccae6a25" providerId="LiveId" clId="{B8CC6B97-FBEB-4E84-A973-1D8D00A51797}"/>
+    <pc:docChg chg="undo redo custSel addSld delSld modSld">
+      <pc:chgData name="Andrew Ming Ho Wu" userId="620d876fccae6a25" providerId="LiveId" clId="{B8CC6B97-FBEB-4E84-A973-1D8D00A51797}" dt="2020-12-09T20:21:14.831" v="3322" actId="1076"/>
       <pc:docMkLst>
         <pc:docMk/>
       </pc:docMkLst>
       <pc:sldChg chg="modSp mod">
-        <pc:chgData name="Andrew Ming Ho Wu" userId="620d876fccae6a25" providerId="LiveId" clId="{70051DB0-1E4A-4F76-B9FF-8FCA6C4B0B08}" dt="2020-10-16T08:13:04.374" v="1601" actId="255"/>
+        <pc:chgData name="Andrew Ming Ho Wu" userId="620d876fccae6a25" providerId="LiveId" clId="{B8CC6B97-FBEB-4E84-A973-1D8D00A51797}" dt="2020-12-07T23:20:20.434" v="2391" actId="20577"/>
         <pc:sldMkLst>
           <pc:docMk/>
           <pc:sldMk cId="0" sldId="256"/>
         </pc:sldMkLst>
         <pc:spChg chg="mod">
-          <ac:chgData name="Andrew Ming Ho Wu" userId="620d876fccae6a25" providerId="LiveId" clId="{70051DB0-1E4A-4F76-B9FF-8FCA6C4B0B08}" dt="2020-10-16T08:13:04.374" v="1601" actId="255"/>
+          <ac:chgData name="Andrew Ming Ho Wu" userId="620d876fccae6a25" providerId="LiveId" clId="{B8CC6B97-FBEB-4E84-A973-1D8D00A51797}" dt="2020-12-07T23:20:20.434" v="2391" actId="20577"/>
           <ac:spMkLst>
             <pc:docMk/>
             <pc:sldMk cId="0" sldId="256"/>
@@ -4769,7 +4910,7 @@
           </ac:spMkLst>
         </pc:spChg>
         <pc:spChg chg="mod">
-          <ac:chgData name="Andrew Ming Ho Wu" userId="620d876fccae6a25" providerId="LiveId" clId="{70051DB0-1E4A-4F76-B9FF-8FCA6C4B0B08}" dt="2020-10-14T11:03:10.696" v="1511" actId="20577"/>
+          <ac:chgData name="Andrew Ming Ho Wu" userId="620d876fccae6a25" providerId="LiveId" clId="{B8CC6B97-FBEB-4E84-A973-1D8D00A51797}" dt="2020-12-07T11:47:32.514" v="4" actId="20577"/>
           <ac:spMkLst>
             <pc:docMk/>
             <pc:sldMk cId="0" sldId="256"/>
@@ -4777,263 +4918,116 @@
           </ac:spMkLst>
         </pc:spChg>
       </pc:sldChg>
+      <pc:sldChg chg="modSp del mod">
+        <pc:chgData name="Andrew Ming Ho Wu" userId="620d876fccae6a25" providerId="LiveId" clId="{B8CC6B97-FBEB-4E84-A973-1D8D00A51797}" dt="2020-12-07T14:43:22.840" v="2386" actId="47"/>
+        <pc:sldMkLst>
+          <pc:docMk/>
+          <pc:sldMk cId="3627176467" sldId="330"/>
+        </pc:sldMkLst>
+        <pc:spChg chg="mod">
+          <ac:chgData name="Andrew Ming Ho Wu" userId="620d876fccae6a25" providerId="LiveId" clId="{B8CC6B97-FBEB-4E84-A973-1D8D00A51797}" dt="2020-12-07T11:49:36.385" v="427" actId="115"/>
+          <ac:spMkLst>
+            <pc:docMk/>
+            <pc:sldMk cId="3627176467" sldId="330"/>
+            <ac:spMk id="11" creationId="{51D20990-98D9-4852-A91C-AEF4EC3755F8}"/>
+          </ac:spMkLst>
+        </pc:spChg>
+      </pc:sldChg>
       <pc:sldChg chg="addSp delSp modSp mod">
-        <pc:chgData name="Andrew Ming Ho Wu" userId="620d876fccae6a25" providerId="LiveId" clId="{70051DB0-1E4A-4F76-B9FF-8FCA6C4B0B08}" dt="2020-10-16T08:14:10.986" v="1623" actId="1076"/>
-        <pc:sldMkLst>
-          <pc:docMk/>
-          <pc:sldMk cId="0" sldId="259"/>
-        </pc:sldMkLst>
-        <pc:spChg chg="mod">
-          <ac:chgData name="Andrew Ming Ho Wu" userId="620d876fccae6a25" providerId="LiveId" clId="{70051DB0-1E4A-4F76-B9FF-8FCA6C4B0B08}" dt="2020-10-16T08:14:10.986" v="1623" actId="1076"/>
-          <ac:spMkLst>
-            <pc:docMk/>
-            <pc:sldMk cId="0" sldId="259"/>
+        <pc:chgData name="Andrew Ming Ho Wu" userId="620d876fccae6a25" providerId="LiveId" clId="{B8CC6B97-FBEB-4E84-A973-1D8D00A51797}" dt="2020-12-09T20:19:32.434" v="3257" actId="20577"/>
+        <pc:sldMkLst>
+          <pc:docMk/>
+          <pc:sldMk cId="2206058006" sldId="333"/>
+        </pc:sldMkLst>
+        <pc:spChg chg="mod">
+          <ac:chgData name="Andrew Ming Ho Wu" userId="620d876fccae6a25" providerId="LiveId" clId="{B8CC6B97-FBEB-4E84-A973-1D8D00A51797}" dt="2020-12-08T20:51:48.995" v="2411" actId="20577"/>
+          <ac:spMkLst>
+            <pc:docMk/>
+            <pc:sldMk cId="2206058006" sldId="333"/>
             <ac:spMk id="5" creationId="{00000000-0000-0000-0000-000000000000}"/>
           </ac:spMkLst>
         </pc:spChg>
-        <pc:spChg chg="del mod">
-          <ac:chgData name="Andrew Ming Ho Wu" userId="620d876fccae6a25" providerId="LiveId" clId="{70051DB0-1E4A-4F76-B9FF-8FCA6C4B0B08}" dt="2020-10-14T10:56:16.263" v="803"/>
-          <ac:spMkLst>
-            <pc:docMk/>
-            <pc:sldMk cId="0" sldId="259"/>
-            <ac:spMk id="12" creationId="{7E70BACB-1CF0-4DEE-923B-205A7D88BC2B}"/>
-          </ac:spMkLst>
-        </pc:spChg>
-        <pc:graphicFrameChg chg="add del mod modGraphic">
-          <ac:chgData name="Andrew Ming Ho Wu" userId="620d876fccae6a25" providerId="LiveId" clId="{70051DB0-1E4A-4F76-B9FF-8FCA6C4B0B08}" dt="2020-10-16T08:13:58.412" v="1603" actId="478"/>
-          <ac:graphicFrameMkLst>
-            <pc:docMk/>
-            <pc:sldMk cId="0" sldId="259"/>
-            <ac:graphicFrameMk id="6" creationId="{F9FF6ED5-1599-4BAE-B1B8-E9E0AA0B54BA}"/>
-          </ac:graphicFrameMkLst>
-        </pc:graphicFrameChg>
-      </pc:sldChg>
-      <pc:sldChg chg="modSp del mod">
-        <pc:chgData name="Andrew Ming Ho Wu" userId="620d876fccae6a25" providerId="LiveId" clId="{70051DB0-1E4A-4F76-B9FF-8FCA6C4B0B08}" dt="2020-10-16T08:14:23.170" v="1624" actId="2696"/>
-        <pc:sldMkLst>
-          <pc:docMk/>
-          <pc:sldMk cId="4141595128" sldId="301"/>
-        </pc:sldMkLst>
-        <pc:spChg chg="mod">
-          <ac:chgData name="Andrew Ming Ho Wu" userId="620d876fccae6a25" providerId="LiveId" clId="{70051DB0-1E4A-4F76-B9FF-8FCA6C4B0B08}" dt="2020-10-14T10:57:15.205" v="832" actId="20577"/>
-          <ac:spMkLst>
-            <pc:docMk/>
-            <pc:sldMk cId="4141595128" sldId="301"/>
-            <ac:spMk id="5" creationId="{00000000-0000-0000-0000-000000000000}"/>
-          </ac:spMkLst>
-        </pc:spChg>
-        <pc:spChg chg="mod">
-          <ac:chgData name="Andrew Ming Ho Wu" userId="620d876fccae6a25" providerId="LiveId" clId="{70051DB0-1E4A-4F76-B9FF-8FCA6C4B0B08}" dt="2020-10-14T10:57:56.133" v="1014" actId="1076"/>
-          <ac:spMkLst>
-            <pc:docMk/>
-            <pc:sldMk cId="4141595128" sldId="301"/>
-            <ac:spMk id="12" creationId="{7E70BACB-1CF0-4DEE-923B-205A7D88BC2B}"/>
-          </ac:spMkLst>
-        </pc:spChg>
-      </pc:sldChg>
-      <pc:sldChg chg="modSp mod">
-        <pc:chgData name="Andrew Ming Ho Wu" userId="620d876fccae6a25" providerId="LiveId" clId="{70051DB0-1E4A-4F76-B9FF-8FCA6C4B0B08}" dt="2020-10-16T08:50:56.802" v="1997" actId="5793"/>
-        <pc:sldMkLst>
-          <pc:docMk/>
-          <pc:sldMk cId="428898620" sldId="329"/>
-        </pc:sldMkLst>
-        <pc:spChg chg="mod">
-          <ac:chgData name="Andrew Ming Ho Wu" userId="620d876fccae6a25" providerId="LiveId" clId="{70051DB0-1E4A-4F76-B9FF-8FCA6C4B0B08}" dt="2020-10-14T10:58:08.788" v="1025" actId="20577"/>
-          <ac:spMkLst>
-            <pc:docMk/>
-            <pc:sldMk cId="428898620" sldId="329"/>
-            <ac:spMk id="5" creationId="{00000000-0000-0000-0000-000000000000}"/>
-          </ac:spMkLst>
-        </pc:spChg>
-        <pc:spChg chg="mod">
-          <ac:chgData name="Andrew Ming Ho Wu" userId="620d876fccae6a25" providerId="LiveId" clId="{70051DB0-1E4A-4F76-B9FF-8FCA6C4B0B08}" dt="2020-10-16T08:50:56.802" v="1997" actId="5793"/>
-          <ac:spMkLst>
-            <pc:docMk/>
-            <pc:sldMk cId="428898620" sldId="329"/>
-            <ac:spMk id="12" creationId="{7E70BACB-1CF0-4DEE-923B-205A7D88BC2B}"/>
-          </ac:spMkLst>
-        </pc:spChg>
-      </pc:sldChg>
-      <pc:sldChg chg="addSp delSp modSp mod">
-        <pc:chgData name="Andrew Ming Ho Wu" userId="620d876fccae6a25" providerId="LiveId" clId="{70051DB0-1E4A-4F76-B9FF-8FCA6C4B0B08}" dt="2020-10-14T11:04:43.468" v="1595" actId="1076"/>
-        <pc:sldMkLst>
-          <pc:docMk/>
-          <pc:sldMk cId="3627176467" sldId="330"/>
-        </pc:sldMkLst>
-        <pc:spChg chg="mod">
-          <ac:chgData name="Andrew Ming Ho Wu" userId="620d876fccae6a25" providerId="LiveId" clId="{70051DB0-1E4A-4F76-B9FF-8FCA6C4B0B08}" dt="2020-10-14T11:04:43.468" v="1595" actId="1076"/>
-          <ac:spMkLst>
-            <pc:docMk/>
-            <pc:sldMk cId="3627176467" sldId="330"/>
-            <ac:spMk id="5" creationId="{00000000-0000-0000-0000-000000000000}"/>
+        <pc:spChg chg="del">
+          <ac:chgData name="Andrew Ming Ho Wu" userId="620d876fccae6a25" providerId="LiveId" clId="{B8CC6B97-FBEB-4E84-A973-1D8D00A51797}" dt="2020-12-07T11:49:40.438" v="428" actId="478"/>
+          <ac:spMkLst>
+            <pc:docMk/>
+            <pc:sldMk cId="2206058006" sldId="333"/>
+            <ac:spMk id="11" creationId="{3E2506E2-B67A-4B0D-BA61-6B13AC56BACF}"/>
           </ac:spMkLst>
         </pc:spChg>
         <pc:spChg chg="add del mod">
-          <ac:chgData name="Andrew Ming Ho Wu" userId="620d876fccae6a25" providerId="LiveId" clId="{70051DB0-1E4A-4F76-B9FF-8FCA6C4B0B08}" dt="2020-10-14T11:02:05.801" v="1498" actId="20577"/>
-          <ac:spMkLst>
-            <pc:docMk/>
-            <pc:sldMk cId="3627176467" sldId="330"/>
-            <ac:spMk id="12" creationId="{7E70BACB-1CF0-4DEE-923B-205A7D88BC2B}"/>
-          </ac:spMkLst>
-        </pc:spChg>
-      </pc:sldChg>
-      <pc:sldChg chg="delSp modSp mod">
-        <pc:chgData name="Andrew Ming Ho Wu" userId="620d876fccae6a25" providerId="LiveId" clId="{70051DB0-1E4A-4F76-B9FF-8FCA6C4B0B08}" dt="2020-10-14T11:02:51.398" v="1506" actId="1076"/>
-        <pc:sldMkLst>
-          <pc:docMk/>
-          <pc:sldMk cId="311588258" sldId="331"/>
-        </pc:sldMkLst>
-        <pc:spChg chg="mod">
-          <ac:chgData name="Andrew Ming Ho Wu" userId="620d876fccae6a25" providerId="LiveId" clId="{70051DB0-1E4A-4F76-B9FF-8FCA6C4B0B08}" dt="2020-10-14T11:02:51.398" v="1506" actId="1076"/>
-          <ac:spMkLst>
-            <pc:docMk/>
-            <pc:sldMk cId="311588258" sldId="331"/>
-            <ac:spMk id="5" creationId="{00000000-0000-0000-0000-000000000000}"/>
-          </ac:spMkLst>
-        </pc:spChg>
-        <pc:spChg chg="del">
-          <ac:chgData name="Andrew Ming Ho Wu" userId="620d876fccae6a25" providerId="LiveId" clId="{70051DB0-1E4A-4F76-B9FF-8FCA6C4B0B08}" dt="2020-10-14T11:02:34.036" v="1502" actId="478"/>
-          <ac:spMkLst>
-            <pc:docMk/>
-            <pc:sldMk cId="311588258" sldId="331"/>
-            <ac:spMk id="12" creationId="{7E70BACB-1CF0-4DEE-923B-205A7D88BC2B}"/>
+          <ac:chgData name="Andrew Ming Ho Wu" userId="620d876fccae6a25" providerId="LiveId" clId="{B8CC6B97-FBEB-4E84-A973-1D8D00A51797}" dt="2020-12-09T20:19:32.434" v="3257" actId="20577"/>
+          <ac:spMkLst>
+            <pc:docMk/>
+            <pc:sldMk cId="2206058006" sldId="333"/>
+            <ac:spMk id="12" creationId="{11F2B6B6-0466-4FF3-9677-694F0F61AE7C}"/>
           </ac:spMkLst>
         </pc:spChg>
         <pc:grpChg chg="mod">
-          <ac:chgData name="Andrew Ming Ho Wu" userId="620d876fccae6a25" providerId="LiveId" clId="{70051DB0-1E4A-4F76-B9FF-8FCA6C4B0B08}" dt="2020-10-14T11:02:46.399" v="1505" actId="1076"/>
+          <ac:chgData name="Andrew Ming Ho Wu" userId="620d876fccae6a25" providerId="LiveId" clId="{B8CC6B97-FBEB-4E84-A973-1D8D00A51797}" dt="2020-12-07T11:50:20.258" v="465" actId="1076"/>
           <ac:grpSpMkLst>
             <pc:docMk/>
-            <pc:sldMk cId="311588258" sldId="331"/>
+            <pc:sldMk cId="2206058006" sldId="333"/>
             <ac:grpSpMk id="2" creationId="{00000000-0000-0000-0000-000000000000}"/>
           </ac:grpSpMkLst>
         </pc:grpChg>
-      </pc:sldChg>
-      <pc:sldChg chg="del">
-        <pc:chgData name="Andrew Ming Ho Wu" userId="620d876fccae6a25" providerId="LiveId" clId="{70051DB0-1E4A-4F76-B9FF-8FCA6C4B0B08}" dt="2020-10-14T11:02:58.709" v="1507" actId="2696"/>
-        <pc:sldMkLst>
-          <pc:docMk/>
-          <pc:sldMk cId="1678336179" sldId="332"/>
-        </pc:sldMkLst>
-      </pc:sldChg>
-      <pc:sldChg chg="modSp mod">
-        <pc:chgData name="Andrew Ming Ho Wu" userId="620d876fccae6a25" providerId="LiveId" clId="{70051DB0-1E4A-4F76-B9FF-8FCA6C4B0B08}" dt="2020-10-16T08:31:21.227" v="1924" actId="20577"/>
-        <pc:sldMkLst>
-          <pc:docMk/>
-          <pc:sldMk cId="2206058006" sldId="333"/>
-        </pc:sldMkLst>
-        <pc:spChg chg="mod">
-          <ac:chgData name="Andrew Ming Ho Wu" userId="620d876fccae6a25" providerId="LiveId" clId="{70051DB0-1E4A-4F76-B9FF-8FCA6C4B0B08}" dt="2020-10-16T08:17:59.360" v="1712" actId="20577"/>
-          <ac:spMkLst>
+        <pc:grpChg chg="mod">
+          <ac:chgData name="Andrew Ming Ho Wu" userId="620d876fccae6a25" providerId="LiveId" clId="{B8CC6B97-FBEB-4E84-A973-1D8D00A51797}" dt="2020-12-07T11:50:22.733" v="466" actId="1076"/>
+          <ac:grpSpMkLst>
             <pc:docMk/>
             <pc:sldMk cId="2206058006" sldId="333"/>
-            <ac:spMk id="5" creationId="{00000000-0000-0000-0000-000000000000}"/>
-          </ac:spMkLst>
-        </pc:spChg>
-        <pc:spChg chg="mod">
-          <ac:chgData name="Andrew Ming Ho Wu" userId="620d876fccae6a25" providerId="LiveId" clId="{70051DB0-1E4A-4F76-B9FF-8FCA6C4B0B08}" dt="2020-10-16T08:31:21.227" v="1924" actId="20577"/>
-          <ac:spMkLst>
-            <pc:docMk/>
-            <pc:sldMk cId="2206058006" sldId="333"/>
-            <ac:spMk id="12" creationId="{7E70BACB-1CF0-4DEE-923B-205A7D88BC2B}"/>
-          </ac:spMkLst>
-        </pc:spChg>
-      </pc:sldChg>
-      <pc:sldChg chg="del">
-        <pc:chgData name="Andrew Ming Ho Wu" userId="620d876fccae6a25" providerId="LiveId" clId="{70051DB0-1E4A-4F76-B9FF-8FCA6C4B0B08}" dt="2020-10-14T10:49:02.566" v="132" actId="2696"/>
-        <pc:sldMkLst>
-          <pc:docMk/>
-          <pc:sldMk cId="1994449026" sldId="335"/>
-        </pc:sldMkLst>
-      </pc:sldChg>
-      <pc:sldChg chg="del">
-        <pc:chgData name="Andrew Ming Ho Wu" userId="620d876fccae6a25" providerId="LiveId" clId="{70051DB0-1E4A-4F76-B9FF-8FCA6C4B0B08}" dt="2020-10-14T11:02:58.709" v="1507" actId="2696"/>
-        <pc:sldMkLst>
-          <pc:docMk/>
-          <pc:sldMk cId="491446009" sldId="336"/>
-        </pc:sldMkLst>
-      </pc:sldChg>
-      <pc:sldChg chg="del">
-        <pc:chgData name="Andrew Ming Ho Wu" userId="620d876fccae6a25" providerId="LiveId" clId="{70051DB0-1E4A-4F76-B9FF-8FCA6C4B0B08}" dt="2020-10-14T11:02:58.709" v="1507" actId="2696"/>
-        <pc:sldMkLst>
-          <pc:docMk/>
-          <pc:sldMk cId="3153837584" sldId="337"/>
-        </pc:sldMkLst>
-      </pc:sldChg>
-      <pc:sldChg chg="del">
-        <pc:chgData name="Andrew Ming Ho Wu" userId="620d876fccae6a25" providerId="LiveId" clId="{70051DB0-1E4A-4F76-B9FF-8FCA6C4B0B08}" dt="2020-10-14T11:02:58.709" v="1507" actId="2696"/>
-        <pc:sldMkLst>
-          <pc:docMk/>
-          <pc:sldMk cId="1064973513" sldId="338"/>
-        </pc:sldMkLst>
-      </pc:sldChg>
-      <pc:sldChg chg="del">
-        <pc:chgData name="Andrew Ming Ho Wu" userId="620d876fccae6a25" providerId="LiveId" clId="{70051DB0-1E4A-4F76-B9FF-8FCA6C4B0B08}" dt="2020-10-14T11:02:58.709" v="1507" actId="2696"/>
-        <pc:sldMkLst>
-          <pc:docMk/>
-          <pc:sldMk cId="3865668538" sldId="339"/>
-        </pc:sldMkLst>
-      </pc:sldChg>
-      <pc:sldChg chg="del">
-        <pc:chgData name="Andrew Ming Ho Wu" userId="620d876fccae6a25" providerId="LiveId" clId="{70051DB0-1E4A-4F76-B9FF-8FCA6C4B0B08}" dt="2020-10-14T11:02:58.709" v="1507" actId="2696"/>
-        <pc:sldMkLst>
-          <pc:docMk/>
-          <pc:sldMk cId="1140042678" sldId="340"/>
-        </pc:sldMkLst>
-      </pc:sldChg>
-      <pc:sldChg chg="del">
-        <pc:chgData name="Andrew Ming Ho Wu" userId="620d876fccae6a25" providerId="LiveId" clId="{70051DB0-1E4A-4F76-B9FF-8FCA6C4B0B08}" dt="2020-10-14T11:02:58.709" v="1507" actId="2696"/>
-        <pc:sldMkLst>
-          <pc:docMk/>
-          <pc:sldMk cId="2792681432" sldId="341"/>
-        </pc:sldMkLst>
-      </pc:sldChg>
-      <pc:sldChg chg="del">
-        <pc:chgData name="Andrew Ming Ho Wu" userId="620d876fccae6a25" providerId="LiveId" clId="{70051DB0-1E4A-4F76-B9FF-8FCA6C4B0B08}" dt="2020-10-14T11:02:58.709" v="1507" actId="2696"/>
-        <pc:sldMkLst>
-          <pc:docMk/>
-          <pc:sldMk cId="3458398597" sldId="342"/>
-        </pc:sldMkLst>
-      </pc:sldChg>
-      <pc:sldChg chg="delSp modSp mod">
-        <pc:chgData name="Andrew Ming Ho Wu" userId="620d876fccae6a25" providerId="LiveId" clId="{70051DB0-1E4A-4F76-B9FF-8FCA6C4B0B08}" dt="2020-10-16T08:17:39.434" v="1697" actId="20577"/>
+            <ac:grpSpMk id="8" creationId="{00000000-0000-0000-0000-000000000000}"/>
+          </ac:grpSpMkLst>
+        </pc:grpChg>
+      </pc:sldChg>
+      <pc:sldChg chg="addSp delSp modSp mod">
+        <pc:chgData name="Andrew Ming Ho Wu" userId="620d876fccae6a25" providerId="LiveId" clId="{B8CC6B97-FBEB-4E84-A973-1D8D00A51797}" dt="2020-12-07T12:17:11.563" v="2385" actId="20577"/>
         <pc:sldMkLst>
           <pc:docMk/>
           <pc:sldMk cId="2818220858" sldId="343"/>
         </pc:sldMkLst>
         <pc:spChg chg="mod">
-          <ac:chgData name="Andrew Ming Ho Wu" userId="620d876fccae6a25" providerId="LiveId" clId="{70051DB0-1E4A-4F76-B9FF-8FCA6C4B0B08}" dt="2020-10-16T08:17:39.434" v="1697" actId="20577"/>
+          <ac:chgData name="Andrew Ming Ho Wu" userId="620d876fccae6a25" providerId="LiveId" clId="{B8CC6B97-FBEB-4E84-A973-1D8D00A51797}" dt="2020-12-07T12:16:53.205" v="2364" actId="1076"/>
           <ac:spMkLst>
             <pc:docMk/>
             <pc:sldMk cId="2818220858" sldId="343"/>
             <ac:spMk id="5" creationId="{81D7F47C-B22C-46A9-BD87-E2FA064EC20F}"/>
           </ac:spMkLst>
         </pc:spChg>
-        <pc:spChg chg="del">
-          <ac:chgData name="Andrew Ming Ho Wu" userId="620d876fccae6a25" providerId="LiveId" clId="{70051DB0-1E4A-4F76-B9FF-8FCA6C4B0B08}" dt="2020-10-14T10:48:34.682" v="129" actId="478"/>
+        <pc:spChg chg="mod">
+          <ac:chgData name="Andrew Ming Ho Wu" userId="620d876fccae6a25" providerId="LiveId" clId="{B8CC6B97-FBEB-4E84-A973-1D8D00A51797}" dt="2020-12-07T12:16:25.853" v="2338" actId="20577"/>
           <ac:spMkLst>
             <pc:docMk/>
             <pc:sldMk cId="2818220858" sldId="343"/>
-            <ac:spMk id="7" creationId="{8F1A7018-DAB3-4DD6-9851-CCE349574926}"/>
-          </ac:spMkLst>
-        </pc:spChg>
-        <pc:spChg chg="mod">
-          <ac:chgData name="Andrew Ming Ho Wu" userId="620d876fccae6a25" providerId="LiveId" clId="{70051DB0-1E4A-4F76-B9FF-8FCA6C4B0B08}" dt="2020-10-16T08:17:36.046" v="1691" actId="20577"/>
+            <ac:spMk id="8" creationId="{9D42ABF8-029E-4F29-B608-8C118D28ABA1}"/>
+          </ac:spMkLst>
+        </pc:spChg>
+        <pc:spChg chg="add del mod">
+          <ac:chgData name="Andrew Ming Ho Wu" userId="620d876fccae6a25" providerId="LiveId" clId="{B8CC6B97-FBEB-4E84-A973-1D8D00A51797}" dt="2020-12-07T12:17:00.094" v="2366"/>
+          <ac:spMkLst>
+            <pc:docMk/>
+            <pc:sldMk cId="2818220858" sldId="343"/>
+            <ac:spMk id="14" creationId="{4008C9F8-7034-4640-926C-69C20356432C}"/>
+          </ac:spMkLst>
+        </pc:spChg>
+        <pc:spChg chg="mod">
+          <ac:chgData name="Andrew Ming Ho Wu" userId="620d876fccae6a25" providerId="LiveId" clId="{B8CC6B97-FBEB-4E84-A973-1D8D00A51797}" dt="2020-12-07T11:47:46.566" v="35" actId="20577"/>
           <ac:spMkLst>
             <pc:docMk/>
             <pc:sldMk cId="2818220858" sldId="343"/>
             <ac:spMk id="15" creationId="{5FC8DCBF-4CCE-4C22-8B9F-CC50B4D8446D}"/>
           </ac:spMkLst>
         </pc:spChg>
-        <pc:spChg chg="del">
-          <ac:chgData name="Andrew Ming Ho Wu" userId="620d876fccae6a25" providerId="LiveId" clId="{70051DB0-1E4A-4F76-B9FF-8FCA6C4B0B08}" dt="2020-10-14T10:48:41.238" v="130" actId="478"/>
+        <pc:spChg chg="add mod">
+          <ac:chgData name="Andrew Ming Ho Wu" userId="620d876fccae6a25" providerId="LiveId" clId="{B8CC6B97-FBEB-4E84-A973-1D8D00A51797}" dt="2020-12-07T12:17:11.563" v="2385" actId="20577"/>
           <ac:spMkLst>
             <pc:docMk/>
             <pc:sldMk cId="2818220858" sldId="343"/>
-            <ac:spMk id="20" creationId="{A6F76399-04DE-46A8-BF2C-99ED8D141BD3}"/>
+            <ac:spMk id="16" creationId="{9776CE46-BCD9-4FBA-A83A-BE5C5D29A965}"/>
           </ac:spMkLst>
         </pc:spChg>
         <pc:grpChg chg="mod">
-          <ac:chgData name="Andrew Ming Ho Wu" userId="620d876fccae6a25" providerId="LiveId" clId="{70051DB0-1E4A-4F76-B9FF-8FCA6C4B0B08}" dt="2020-10-14T11:03:31.434" v="1538" actId="1076"/>
+          <ac:chgData name="Andrew Ming Ho Wu" userId="620d876fccae6a25" providerId="LiveId" clId="{B8CC6B97-FBEB-4E84-A973-1D8D00A51797}" dt="2020-12-07T12:16:48.563" v="2363" actId="1076"/>
           <ac:grpSpMkLst>
             <pc:docMk/>
             <pc:sldMk cId="2818220858" sldId="343"/>
@@ -5041,119 +5035,125 @@
           </ac:grpSpMkLst>
         </pc:grpChg>
       </pc:sldChg>
+      <pc:sldChg chg="modSp mod">
+        <pc:chgData name="Andrew Ming Ho Wu" userId="620d876fccae6a25" providerId="LiveId" clId="{B8CC6B97-FBEB-4E84-A973-1D8D00A51797}" dt="2020-12-07T12:12:01.475" v="2130" actId="20577"/>
+        <pc:sldMkLst>
+          <pc:docMk/>
+          <pc:sldMk cId="1002563172" sldId="387"/>
+        </pc:sldMkLst>
+        <pc:spChg chg="mod">
+          <ac:chgData name="Andrew Ming Ho Wu" userId="620d876fccae6a25" providerId="LiveId" clId="{B8CC6B97-FBEB-4E84-A973-1D8D00A51797}" dt="2020-12-07T12:12:01.475" v="2130" actId="20577"/>
+          <ac:spMkLst>
+            <pc:docMk/>
+            <pc:sldMk cId="1002563172" sldId="387"/>
+            <ac:spMk id="5" creationId="{00000000-0000-0000-0000-000000000000}"/>
+          </ac:spMkLst>
+        </pc:spChg>
+      </pc:sldChg>
+      <pc:sldChg chg="modSp add mod">
+        <pc:chgData name="Andrew Ming Ho Wu" userId="620d876fccae6a25" providerId="LiveId" clId="{B8CC6B97-FBEB-4E84-A973-1D8D00A51797}" dt="2020-12-09T20:21:14.831" v="3322" actId="1076"/>
+        <pc:sldMkLst>
+          <pc:docMk/>
+          <pc:sldMk cId="2049264590" sldId="388"/>
+        </pc:sldMkLst>
+        <pc:spChg chg="mod">
+          <ac:chgData name="Andrew Ming Ho Wu" userId="620d876fccae6a25" providerId="LiveId" clId="{B8CC6B97-FBEB-4E84-A973-1D8D00A51797}" dt="2020-12-09T20:21:14.831" v="3322" actId="1076"/>
+          <ac:spMkLst>
+            <pc:docMk/>
+            <pc:sldMk cId="2049264590" sldId="388"/>
+            <ac:spMk id="12" creationId="{11F2B6B6-0466-4FF3-9677-694F0F61AE7C}"/>
+          </ac:spMkLst>
+        </pc:spChg>
+      </pc:sldChg>
+      <pc:sldChg chg="add">
+        <pc:chgData name="Andrew Ming Ho Wu" userId="620d876fccae6a25" providerId="LiveId" clId="{B8CC6B97-FBEB-4E84-A973-1D8D00A51797}" dt="2020-12-07T12:11:57.600" v="2129" actId="2890"/>
+        <pc:sldMkLst>
+          <pc:docMk/>
+          <pc:sldMk cId="1012779811" sldId="389"/>
+        </pc:sldMkLst>
+      </pc:sldChg>
+      <pc:sldChg chg="modSp add mod">
+        <pc:chgData name="Andrew Ming Ho Wu" userId="620d876fccae6a25" providerId="LiveId" clId="{B8CC6B97-FBEB-4E84-A973-1D8D00A51797}" dt="2020-12-07T12:13:16.646" v="2234" actId="255"/>
+        <pc:sldMkLst>
+          <pc:docMk/>
+          <pc:sldMk cId="2782934202" sldId="390"/>
+        </pc:sldMkLst>
+        <pc:spChg chg="mod">
+          <ac:chgData name="Andrew Ming Ho Wu" userId="620d876fccae6a25" providerId="LiveId" clId="{B8CC6B97-FBEB-4E84-A973-1D8D00A51797}" dt="2020-12-07T12:12:22.476" v="2139" actId="20577"/>
+          <ac:spMkLst>
+            <pc:docMk/>
+            <pc:sldMk cId="2782934202" sldId="390"/>
+            <ac:spMk id="5" creationId="{00000000-0000-0000-0000-000000000000}"/>
+          </ac:spMkLst>
+        </pc:spChg>
+        <pc:spChg chg="mod">
+          <ac:chgData name="Andrew Ming Ho Wu" userId="620d876fccae6a25" providerId="LiveId" clId="{B8CC6B97-FBEB-4E84-A973-1D8D00A51797}" dt="2020-12-07T12:13:16.646" v="2234" actId="255"/>
+          <ac:spMkLst>
+            <pc:docMk/>
+            <pc:sldMk cId="2782934202" sldId="390"/>
+            <ac:spMk id="12" creationId="{11F2B6B6-0466-4FF3-9677-694F0F61AE7C}"/>
+          </ac:spMkLst>
+        </pc:spChg>
+      </pc:sldChg>
+      <pc:sldChg chg="modSp add mod">
+        <pc:chgData name="Andrew Ming Ho Wu" userId="620d876fccae6a25" providerId="LiveId" clId="{B8CC6B97-FBEB-4E84-A973-1D8D00A51797}" dt="2020-12-07T12:14:09.189" v="2268" actId="20577"/>
+        <pc:sldMkLst>
+          <pc:docMk/>
+          <pc:sldMk cId="2582986712" sldId="391"/>
+        </pc:sldMkLst>
+        <pc:spChg chg="mod">
+          <ac:chgData name="Andrew Ming Ho Wu" userId="620d876fccae6a25" providerId="LiveId" clId="{B8CC6B97-FBEB-4E84-A973-1D8D00A51797}" dt="2020-12-07T12:14:09.189" v="2268" actId="20577"/>
+          <ac:spMkLst>
+            <pc:docMk/>
+            <pc:sldMk cId="2582986712" sldId="391"/>
+            <ac:spMk id="12" creationId="{11F2B6B6-0466-4FF3-9677-694F0F61AE7C}"/>
+          </ac:spMkLst>
+        </pc:spChg>
+      </pc:sldChg>
+      <pc:sldChg chg="modSp add mod">
+        <pc:chgData name="Andrew Ming Ho Wu" userId="620d876fccae6a25" providerId="LiveId" clId="{B8CC6B97-FBEB-4E84-A973-1D8D00A51797}" dt="2020-12-07T12:15:51.208" v="2307" actId="255"/>
+        <pc:sldMkLst>
+          <pc:docMk/>
+          <pc:sldMk cId="161672857" sldId="392"/>
+        </pc:sldMkLst>
+        <pc:spChg chg="mod">
+          <ac:chgData name="Andrew Ming Ho Wu" userId="620d876fccae6a25" providerId="LiveId" clId="{B8CC6B97-FBEB-4E84-A973-1D8D00A51797}" dt="2020-12-07T12:15:14.773" v="2298" actId="20577"/>
+          <ac:spMkLst>
+            <pc:docMk/>
+            <pc:sldMk cId="161672857" sldId="392"/>
+            <ac:spMk id="5" creationId="{00000000-0000-0000-0000-000000000000}"/>
+          </ac:spMkLst>
+        </pc:spChg>
+        <pc:spChg chg="mod">
+          <ac:chgData name="Andrew Ming Ho Wu" userId="620d876fccae6a25" providerId="LiveId" clId="{B8CC6B97-FBEB-4E84-A973-1D8D00A51797}" dt="2020-12-07T12:15:51.208" v="2307" actId="255"/>
+          <ac:spMkLst>
+            <pc:docMk/>
+            <pc:sldMk cId="161672857" sldId="392"/>
+            <ac:spMk id="12" creationId="{11F2B6B6-0466-4FF3-9677-694F0F61AE7C}"/>
+          </ac:spMkLst>
+        </pc:spChg>
+      </pc:sldChg>
+      <pc:sldChg chg="modSp add mod">
+        <pc:chgData name="Andrew Ming Ho Wu" userId="620d876fccae6a25" providerId="LiveId" clId="{B8CC6B97-FBEB-4E84-A973-1D8D00A51797}" dt="2020-12-09T20:20:31.079" v="3296" actId="20577"/>
+        <pc:sldMkLst>
+          <pc:docMk/>
+          <pc:sldMk cId="226674003" sldId="393"/>
+        </pc:sldMkLst>
+        <pc:spChg chg="mod">
+          <ac:chgData name="Andrew Ming Ho Wu" userId="620d876fccae6a25" providerId="LiveId" clId="{B8CC6B97-FBEB-4E84-A973-1D8D00A51797}" dt="2020-12-09T20:20:31.079" v="3296" actId="20577"/>
+          <ac:spMkLst>
+            <pc:docMk/>
+            <pc:sldMk cId="226674003" sldId="393"/>
+            <ac:spMk id="12" creationId="{11F2B6B6-0466-4FF3-9677-694F0F61AE7C}"/>
+          </ac:spMkLst>
+        </pc:spChg>
+      </pc:sldChg>
       <pc:sldChg chg="add del">
-        <pc:chgData name="Andrew Ming Ho Wu" userId="620d876fccae6a25" providerId="LiveId" clId="{70051DB0-1E4A-4F76-B9FF-8FCA6C4B0B08}" dt="2020-10-16T08:17:51.506" v="1699" actId="2890"/>
-        <pc:sldMkLst>
-          <pc:docMk/>
-          <pc:sldMk cId="882795893" sldId="344"/>
-        </pc:sldMkLst>
-      </pc:sldChg>
-      <pc:sldChg chg="add">
-        <pc:chgData name="Andrew Ming Ho Wu" userId="620d876fccae6a25" providerId="LiveId" clId="{70051DB0-1E4A-4F76-B9FF-8FCA6C4B0B08}" dt="2020-10-16T08:17:54.089" v="1700" actId="2890"/>
-        <pc:sldMkLst>
-          <pc:docMk/>
-          <pc:sldMk cId="3427335621" sldId="344"/>
-        </pc:sldMkLst>
-      </pc:sldChg>
-    </pc:docChg>
-  </pc:docChgLst>
-  <pc:docChgLst>
-    <pc:chgData name="Andrew Ming Ho Wu" userId="620d876fccae6a25" providerId="LiveId" clId="{301D553B-ED1B-4DD0-8B60-0326FA0FE40D}"/>
-    <pc:docChg chg="undo custSel modSld sldOrd">
-      <pc:chgData name="Andrew Ming Ho Wu" userId="620d876fccae6a25" providerId="LiveId" clId="{301D553B-ED1B-4DD0-8B60-0326FA0FE40D}" dt="2020-12-04T09:57:29.774" v="2192" actId="20577"/>
-      <pc:docMkLst>
-        <pc:docMk/>
-      </pc:docMkLst>
-      <pc:sldChg chg="modSp mod">
-        <pc:chgData name="Andrew Ming Ho Wu" userId="620d876fccae6a25" providerId="LiveId" clId="{301D553B-ED1B-4DD0-8B60-0326FA0FE40D}" dt="2020-12-04T09:23:30.694" v="1648" actId="20577"/>
-        <pc:sldMkLst>
-          <pc:docMk/>
-          <pc:sldMk cId="0" sldId="256"/>
-        </pc:sldMkLst>
-        <pc:spChg chg="mod">
-          <ac:chgData name="Andrew Ming Ho Wu" userId="620d876fccae6a25" providerId="LiveId" clId="{301D553B-ED1B-4DD0-8B60-0326FA0FE40D}" dt="2020-12-04T09:23:30.694" v="1648" actId="20577"/>
-          <ac:spMkLst>
-            <pc:docMk/>
-            <pc:sldMk cId="0" sldId="256"/>
-            <ac:spMk id="12" creationId="{9A5C5996-C506-42D4-8B45-0190C0F5159A}"/>
-          </ac:spMkLst>
-        </pc:spChg>
-      </pc:sldChg>
-      <pc:sldChg chg="modSp mod ord">
-        <pc:chgData name="Andrew Ming Ho Wu" userId="620d876fccae6a25" providerId="LiveId" clId="{301D553B-ED1B-4DD0-8B60-0326FA0FE40D}" dt="2020-12-04T09:37:15.202" v="1818" actId="1076"/>
-        <pc:sldMkLst>
-          <pc:docMk/>
-          <pc:sldMk cId="3627176467" sldId="330"/>
-        </pc:sldMkLst>
-        <pc:spChg chg="mod">
-          <ac:chgData name="Andrew Ming Ho Wu" userId="620d876fccae6a25" providerId="LiveId" clId="{301D553B-ED1B-4DD0-8B60-0326FA0FE40D}" dt="2020-12-04T09:37:15.202" v="1818" actId="1076"/>
-          <ac:spMkLst>
-            <pc:docMk/>
-            <pc:sldMk cId="3627176467" sldId="330"/>
-            <ac:spMk id="11" creationId="{51D20990-98D9-4852-A91C-AEF4EC3755F8}"/>
-          </ac:spMkLst>
-        </pc:spChg>
-      </pc:sldChg>
-      <pc:sldChg chg="addSp delSp modSp mod">
-        <pc:chgData name="Andrew Ming Ho Wu" userId="620d876fccae6a25" providerId="LiveId" clId="{301D553B-ED1B-4DD0-8B60-0326FA0FE40D}" dt="2020-12-04T09:57:29.774" v="2192" actId="20577"/>
-        <pc:sldMkLst>
-          <pc:docMk/>
-          <pc:sldMk cId="2206058006" sldId="333"/>
-        </pc:sldMkLst>
-        <pc:spChg chg="mod">
-          <ac:chgData name="Andrew Ming Ho Wu" userId="620d876fccae6a25" providerId="LiveId" clId="{301D553B-ED1B-4DD0-8B60-0326FA0FE40D}" dt="2020-12-04T09:54:08.146" v="2088" actId="1076"/>
-          <ac:spMkLst>
-            <pc:docMk/>
-            <pc:sldMk cId="2206058006" sldId="333"/>
-            <ac:spMk id="5" creationId="{00000000-0000-0000-0000-000000000000}"/>
-          </ac:spMkLst>
-        </pc:spChg>
-        <pc:spChg chg="add del mod">
-          <ac:chgData name="Andrew Ming Ho Wu" userId="620d876fccae6a25" providerId="LiveId" clId="{301D553B-ED1B-4DD0-8B60-0326FA0FE40D}" dt="2020-12-04T09:57:29.774" v="2192" actId="20577"/>
-          <ac:spMkLst>
-            <pc:docMk/>
-            <pc:sldMk cId="2206058006" sldId="333"/>
-            <ac:spMk id="11" creationId="{3E2506E2-B67A-4B0D-BA61-6B13AC56BACF}"/>
-          </ac:spMkLst>
-        </pc:spChg>
-      </pc:sldChg>
-      <pc:sldChg chg="modSp mod">
-        <pc:chgData name="Andrew Ming Ho Wu" userId="620d876fccae6a25" providerId="LiveId" clId="{301D553B-ED1B-4DD0-8B60-0326FA0FE40D}" dt="2020-12-03T19:29:39.167" v="656" actId="20577"/>
-        <pc:sldMkLst>
-          <pc:docMk/>
-          <pc:sldMk cId="2818220858" sldId="343"/>
-        </pc:sldMkLst>
-        <pc:spChg chg="mod">
-          <ac:chgData name="Andrew Ming Ho Wu" userId="620d876fccae6a25" providerId="LiveId" clId="{301D553B-ED1B-4DD0-8B60-0326FA0FE40D}" dt="2020-12-03T19:29:34.248" v="655" actId="20577"/>
-          <ac:spMkLst>
-            <pc:docMk/>
-            <pc:sldMk cId="2818220858" sldId="343"/>
-            <ac:spMk id="8" creationId="{9D42ABF8-029E-4F29-B608-8C118D28ABA1}"/>
-          </ac:spMkLst>
-        </pc:spChg>
-        <pc:spChg chg="mod">
-          <ac:chgData name="Andrew Ming Ho Wu" userId="620d876fccae6a25" providerId="LiveId" clId="{301D553B-ED1B-4DD0-8B60-0326FA0FE40D}" dt="2020-12-03T19:29:39.167" v="656" actId="20577"/>
-          <ac:spMkLst>
-            <pc:docMk/>
-            <pc:sldMk cId="2818220858" sldId="343"/>
-            <ac:spMk id="15" creationId="{5FC8DCBF-4CCE-4C22-8B9F-CC50B4D8446D}"/>
-          </ac:spMkLst>
-        </pc:spChg>
-      </pc:sldChg>
-      <pc:sldChg chg="addSp delSp modSp mod">
-        <pc:chgData name="Andrew Ming Ho Wu" userId="620d876fccae6a25" providerId="LiveId" clId="{301D553B-ED1B-4DD0-8B60-0326FA0FE40D}" dt="2020-12-03T19:23:50.731" v="4"/>
-        <pc:sldMkLst>
-          <pc:docMk/>
-          <pc:sldMk cId="1002563172" sldId="387"/>
-        </pc:sldMkLst>
-        <pc:spChg chg="add del mod">
-          <ac:chgData name="Andrew Ming Ho Wu" userId="620d876fccae6a25" providerId="LiveId" clId="{301D553B-ED1B-4DD0-8B60-0326FA0FE40D}" dt="2020-12-03T19:23:50.731" v="4"/>
-          <ac:spMkLst>
-            <pc:docMk/>
-            <pc:sldMk cId="1002563172" sldId="387"/>
-            <ac:spMk id="11" creationId="{BA618F6F-1997-4079-B11E-BC24229FBCC5}"/>
-          </ac:spMkLst>
-        </pc:spChg>
+        <pc:chgData name="Andrew Ming Ho Wu" userId="620d876fccae6a25" providerId="LiveId" clId="{B8CC6B97-FBEB-4E84-A973-1D8D00A51797}" dt="2020-12-08T20:51:41.486" v="2393"/>
+        <pc:sldMkLst>
+          <pc:docMk/>
+          <pc:sldMk cId="1879883029" sldId="393"/>
+        </pc:sldMkLst>
       </pc:sldChg>
     </pc:docChg>
   </pc:docChgLst>
@@ -5553,7 +5553,7 @@
           <a:p>
             <a:fld id="{F3B73EDB-C001-4FA3-A8F8-70B0B97F7CFF}" type="datetimeFigureOut">
               <a:rPr lang="en-GB" smtClean="0"/>
-              <a:t>22/01/2021</a:t>
+              <a:t>03/02/2021</a:t>
             </a:fld>
             <a:endParaRPr lang="en-GB"/>
           </a:p>
@@ -6548,7 +6548,7 @@
           <a:p>
             <a:fld id="{1D8BD707-D9CF-40AE-B4C6-C98DA3205C09}" type="datetimeFigureOut">
               <a:rPr lang="en-US"/>
-              <a:t>1/22/2021</a:t>
+              <a:t>2/3/2021</a:t>
             </a:fld>
             <a:endParaRPr lang="en-US"/>
           </a:p>
@@ -6723,7 +6723,7 @@
           <a:p>
             <a:fld id="{1D8BD707-D9CF-40AE-B4C6-C98DA3205C09}" type="datetimeFigureOut">
               <a:rPr lang="en-US"/>
-              <a:t>1/22/2021</a:t>
+              <a:t>2/3/2021</a:t>
             </a:fld>
             <a:endParaRPr lang="en-US"/>
           </a:p>
@@ -6937,7 +6937,7 @@
           <a:p>
             <a:fld id="{1D8BD707-D9CF-40AE-B4C6-C98DA3205C09}" type="datetimeFigureOut">
               <a:rPr lang="en-US"/>
-              <a:t>1/22/2021</a:t>
+              <a:t>2/3/2021</a:t>
             </a:fld>
             <a:endParaRPr lang="en-US"/>
           </a:p>
@@ -7085,7 +7085,7 @@
           <a:p>
             <a:fld id="{1D8BD707-D9CF-40AE-B4C6-C98DA3205C09}" type="datetimeFigureOut">
               <a:rPr lang="en-US"/>
-              <a:t>1/22/2021</a:t>
+              <a:t>2/3/2021</a:t>
             </a:fld>
             <a:endParaRPr lang="en-US"/>
           </a:p>
@@ -7204,7 +7204,7 @@
           <a:p>
             <a:fld id="{1D8BD707-D9CF-40AE-B4C6-C98DA3205C09}" type="datetimeFigureOut">
               <a:rPr lang="en-US"/>
-              <a:t>1/22/2021</a:t>
+              <a:t>2/3/2021</a:t>
             </a:fld>
             <a:endParaRPr lang="en-US"/>
           </a:p>
@@ -7427,7 +7427,7 @@
           <a:p>
             <a:fld id="{1D8BD707-D9CF-40AE-B4C6-C98DA3205C09}" type="datetimeFigureOut">
               <a:rPr lang="en-US"/>
-              <a:t>1/22/2021</a:t>
+              <a:t>2/3/2021</a:t>
             </a:fld>
             <a:endParaRPr lang="en-US"/>
           </a:p>
@@ -8370,7 +8370,7 @@
         </p:nvSpPr>
         <p:spPr>
           <a:xfrm>
-            <a:off x="945742" y="5602985"/>
+            <a:off x="945742" y="5683361"/>
             <a:ext cx="7402868" cy="526939"/>
           </a:xfrm>
           <a:prstGeom prst="rect">
